--- a/Design Requirement/Layout Design ppt.pptx
+++ b/Design Requirement/Layout Design ppt.pptx
@@ -221,7 +221,7 @@
           <a:p>
             <a:fld id="{DB6CA646-4DB0-4081-BAF1-518ED8EEB214}" type="datetimeFigureOut">
               <a:rPr lang="en-IN" smtClean="0"/>
-              <a:t>25-12-2023</a:t>
+              <a:t>31-01-2024</a:t>
             </a:fld>
             <a:endParaRPr lang="en-IN" dirty="0"/>
           </a:p>
@@ -2494,7 +2494,7 @@
           <a:p>
             <a:fld id="{40BFCB34-1D3A-4E3D-AF01-87C69294AC55}" type="datetimeFigureOut">
               <a:rPr lang="en-IN" smtClean="0"/>
-              <a:t>25-12-2023</a:t>
+              <a:t>31-01-2024</a:t>
             </a:fld>
             <a:endParaRPr lang="en-IN" dirty="0"/>
           </a:p>
@@ -2694,7 +2694,7 @@
           <a:p>
             <a:fld id="{40BFCB34-1D3A-4E3D-AF01-87C69294AC55}" type="datetimeFigureOut">
               <a:rPr lang="en-IN" smtClean="0"/>
-              <a:t>25-12-2023</a:t>
+              <a:t>31-01-2024</a:t>
             </a:fld>
             <a:endParaRPr lang="en-IN" dirty="0"/>
           </a:p>
@@ -2904,7 +2904,7 @@
           <a:p>
             <a:fld id="{40BFCB34-1D3A-4E3D-AF01-87C69294AC55}" type="datetimeFigureOut">
               <a:rPr lang="en-IN" smtClean="0"/>
-              <a:t>25-12-2023</a:t>
+              <a:t>31-01-2024</a:t>
             </a:fld>
             <a:endParaRPr lang="en-IN" dirty="0"/>
           </a:p>
@@ -3017,7 +3017,7 @@
           <a:p>
             <a:fld id="{53685DBC-317F-4C6B-AEE2-0BEBDE6560A6}" type="datetimeFigureOut">
               <a:rPr lang="en-US" smtClean="0"/>
-              <a:t>12/25/2023</a:t>
+              <a:t>1/31/2024</a:t>
             </a:fld>
             <a:endParaRPr lang="en-US" dirty="0"/>
           </a:p>
@@ -3217,7 +3217,7 @@
           <a:p>
             <a:fld id="{40BFCB34-1D3A-4E3D-AF01-87C69294AC55}" type="datetimeFigureOut">
               <a:rPr lang="en-IN" smtClean="0"/>
-              <a:t>25-12-2023</a:t>
+              <a:t>31-01-2024</a:t>
             </a:fld>
             <a:endParaRPr lang="en-IN" dirty="0"/>
           </a:p>
@@ -3493,7 +3493,7 @@
           <a:p>
             <a:fld id="{40BFCB34-1D3A-4E3D-AF01-87C69294AC55}" type="datetimeFigureOut">
               <a:rPr lang="en-IN" smtClean="0"/>
-              <a:t>25-12-2023</a:t>
+              <a:t>31-01-2024</a:t>
             </a:fld>
             <a:endParaRPr lang="en-IN" dirty="0"/>
           </a:p>
@@ -3761,7 +3761,7 @@
           <a:p>
             <a:fld id="{40BFCB34-1D3A-4E3D-AF01-87C69294AC55}" type="datetimeFigureOut">
               <a:rPr lang="en-IN" smtClean="0"/>
-              <a:t>25-12-2023</a:t>
+              <a:t>31-01-2024</a:t>
             </a:fld>
             <a:endParaRPr lang="en-IN" dirty="0"/>
           </a:p>
@@ -4176,7 +4176,7 @@
           <a:p>
             <a:fld id="{40BFCB34-1D3A-4E3D-AF01-87C69294AC55}" type="datetimeFigureOut">
               <a:rPr lang="en-IN" smtClean="0"/>
-              <a:t>25-12-2023</a:t>
+              <a:t>31-01-2024</a:t>
             </a:fld>
             <a:endParaRPr lang="en-IN" dirty="0"/>
           </a:p>
@@ -4318,7 +4318,7 @@
           <a:p>
             <a:fld id="{40BFCB34-1D3A-4E3D-AF01-87C69294AC55}" type="datetimeFigureOut">
               <a:rPr lang="en-IN" smtClean="0"/>
-              <a:t>25-12-2023</a:t>
+              <a:t>31-01-2024</a:t>
             </a:fld>
             <a:endParaRPr lang="en-IN" dirty="0"/>
           </a:p>
@@ -4431,7 +4431,7 @@
           <a:p>
             <a:fld id="{40BFCB34-1D3A-4E3D-AF01-87C69294AC55}" type="datetimeFigureOut">
               <a:rPr lang="en-IN" smtClean="0"/>
-              <a:t>25-12-2023</a:t>
+              <a:t>31-01-2024</a:t>
             </a:fld>
             <a:endParaRPr lang="en-IN" dirty="0"/>
           </a:p>
@@ -4744,7 +4744,7 @@
           <a:p>
             <a:fld id="{40BFCB34-1D3A-4E3D-AF01-87C69294AC55}" type="datetimeFigureOut">
               <a:rPr lang="en-IN" smtClean="0"/>
-              <a:t>25-12-2023</a:t>
+              <a:t>31-01-2024</a:t>
             </a:fld>
             <a:endParaRPr lang="en-IN" dirty="0"/>
           </a:p>
@@ -5033,7 +5033,7 @@
           <a:p>
             <a:fld id="{40BFCB34-1D3A-4E3D-AF01-87C69294AC55}" type="datetimeFigureOut">
               <a:rPr lang="en-IN" smtClean="0"/>
-              <a:t>25-12-2023</a:t>
+              <a:t>31-01-2024</a:t>
             </a:fld>
             <a:endParaRPr lang="en-IN" dirty="0"/>
           </a:p>
@@ -5276,7 +5276,7 @@
           <a:p>
             <a:fld id="{40BFCB34-1D3A-4E3D-AF01-87C69294AC55}" type="datetimeFigureOut">
               <a:rPr lang="en-IN" smtClean="0"/>
-              <a:t>25-12-2023</a:t>
+              <a:t>31-01-2024</a:t>
             </a:fld>
             <a:endParaRPr lang="en-IN" dirty="0"/>
           </a:p>
@@ -5847,7 +5847,7 @@
           <a:p>
             <a:fld id="{53685DBC-317F-4C6B-AEE2-0BEBDE6560A6}" type="datetimeFigureOut">
               <a:rPr lang="en-US" smtClean="0"/>
-              <a:t>12/25/2023</a:t>
+              <a:t>1/31/2024</a:t>
             </a:fld>
             <a:endParaRPr lang="en-US" dirty="0"/>
           </a:p>
@@ -15972,7 +15972,7 @@
         <p:spPr>
           <a:xfrm>
             <a:off x="202564" y="231561"/>
-            <a:ext cx="2252769" cy="3785652"/>
+            <a:ext cx="2252769" cy="3970318"/>
           </a:xfrm>
           <a:prstGeom prst="rect">
             <a:avLst/>
@@ -16011,6 +16011,9 @@
             </a:pPr>
             <a:r>
               <a:rPr lang="en-US" sz="1200" dirty="0">
+                <a:highlight>
+                  <a:srgbClr val="52C9BD"/>
+                </a:highlight>
                 <a:latin typeface="Avenir Next LT Pro" panose="020B0504020202020204" pitchFamily="34" charset="0"/>
               </a:rPr>
               <a:t>Project Name</a:t>
@@ -16022,6 +16025,9 @@
             </a:pPr>
             <a:r>
               <a:rPr lang="en-US" sz="1200" dirty="0">
+                <a:highlight>
+                  <a:srgbClr val="52C9BD"/>
+                </a:highlight>
                 <a:latin typeface="Avenir Next LT Pro" panose="020B0504020202020204" pitchFamily="34" charset="0"/>
               </a:rPr>
               <a:t>Project ID</a:t>
@@ -16033,6 +16039,9 @@
             </a:pPr>
             <a:r>
               <a:rPr lang="en-US" sz="1200" dirty="0">
+                <a:highlight>
+                  <a:srgbClr val="52C9BD"/>
+                </a:highlight>
                 <a:latin typeface="Avenir Next LT Pro" panose="020B0504020202020204" pitchFamily="34" charset="0"/>
               </a:rPr>
               <a:t>Owner Name</a:t>
@@ -16044,6 +16053,9 @@
             </a:pPr>
             <a:r>
               <a:rPr lang="en-US" sz="1200" dirty="0">
+                <a:highlight>
+                  <a:srgbClr val="52C9BD"/>
+                </a:highlight>
                 <a:latin typeface="Avenir Next LT Pro" panose="020B0504020202020204" pitchFamily="34" charset="0"/>
               </a:rPr>
               <a:t>Owner ID</a:t>
@@ -16055,6 +16067,9 @@
             </a:pPr>
             <a:r>
               <a:rPr lang="en-US" sz="1200" dirty="0">
+                <a:highlight>
+                  <a:srgbClr val="52C9BD"/>
+                </a:highlight>
                 <a:latin typeface="Avenir Next LT Pro" panose="020B0504020202020204" pitchFamily="34" charset="0"/>
               </a:rPr>
               <a:t>Company Name</a:t>
@@ -16066,6 +16081,9 @@
             </a:pPr>
             <a:r>
               <a:rPr lang="en-US" sz="1200" dirty="0">
+                <a:highlight>
+                  <a:srgbClr val="52C9BD"/>
+                </a:highlight>
                 <a:latin typeface="Avenir Next LT Pro" panose="020B0504020202020204" pitchFamily="34" charset="0"/>
               </a:rPr>
               <a:t>PM name </a:t>
@@ -16077,6 +16095,9 @@
             </a:pPr>
             <a:r>
               <a:rPr lang="en-US" sz="1200" dirty="0">
+                <a:highlight>
+                  <a:srgbClr val="52C9BD"/>
+                </a:highlight>
                 <a:latin typeface="Avenir Next LT Pro" panose="020B0504020202020204" pitchFamily="34" charset="0"/>
               </a:rPr>
               <a:t>PM ID</a:t>
@@ -16088,9 +16109,12 @@
             </a:pPr>
             <a:r>
               <a:rPr lang="en-US" sz="1200" dirty="0">
-                <a:latin typeface="Avenir Next LT Pro" panose="020B0504020202020204" pitchFamily="34" charset="0"/>
-              </a:rPr>
-              <a:t>Site Address</a:t>
+                <a:highlight>
+                  <a:srgbClr val="52C9BD"/>
+                </a:highlight>
+                <a:latin typeface="Avenir Next LT Pro" panose="020B0504020202020204" pitchFamily="34" charset="0"/>
+              </a:rPr>
+              <a:t>PM Mobile</a:t>
             </a:r>
           </a:p>
           <a:p>
@@ -16099,9 +16123,12 @@
             </a:pPr>
             <a:r>
               <a:rPr lang="en-US" sz="1200" dirty="0">
-                <a:latin typeface="Avenir Next LT Pro" panose="020B0504020202020204" pitchFamily="34" charset="0"/>
-              </a:rPr>
-              <a:t>Client Mobile no.</a:t>
+                <a:highlight>
+                  <a:srgbClr val="52C9BD"/>
+                </a:highlight>
+                <a:latin typeface="Avenir Next LT Pro" panose="020B0504020202020204" pitchFamily="34" charset="0"/>
+              </a:rPr>
+              <a:t>Site Address</a:t>
             </a:r>
           </a:p>
           <a:p>
@@ -16110,9 +16137,12 @@
             </a:pPr>
             <a:r>
               <a:rPr lang="en-US" sz="1200" dirty="0">
-                <a:latin typeface="Avenir Next LT Pro" panose="020B0504020202020204" pitchFamily="34" charset="0"/>
-              </a:rPr>
-              <a:t>Client email Address</a:t>
+                <a:highlight>
+                  <a:srgbClr val="52C9BD"/>
+                </a:highlight>
+                <a:latin typeface="Avenir Next LT Pro" panose="020B0504020202020204" pitchFamily="34" charset="0"/>
+              </a:rPr>
+              <a:t>Client Mobile no.</a:t>
             </a:r>
           </a:p>
           <a:p>
@@ -16121,9 +16151,12 @@
             </a:pPr>
             <a:r>
               <a:rPr lang="en-US" sz="1200" dirty="0">
-                <a:latin typeface="Avenir Next LT Pro" panose="020B0504020202020204" pitchFamily="34" charset="0"/>
-              </a:rPr>
-              <a:t>Start Date </a:t>
+                <a:highlight>
+                  <a:srgbClr val="52C9BD"/>
+                </a:highlight>
+                <a:latin typeface="Avenir Next LT Pro" panose="020B0504020202020204" pitchFamily="34" charset="0"/>
+              </a:rPr>
+              <a:t>Client email Address</a:t>
             </a:r>
           </a:p>
           <a:p>
@@ -16132,9 +16165,12 @@
             </a:pPr>
             <a:r>
               <a:rPr lang="en-US" sz="1200" dirty="0">
-                <a:latin typeface="Avenir Next LT Pro" panose="020B0504020202020204" pitchFamily="34" charset="0"/>
-              </a:rPr>
-              <a:t>End Date</a:t>
+                <a:highlight>
+                  <a:srgbClr val="52C9BD"/>
+                </a:highlight>
+                <a:latin typeface="Avenir Next LT Pro" panose="020B0504020202020204" pitchFamily="34" charset="0"/>
+              </a:rPr>
+              <a:t>Start Date </a:t>
             </a:r>
           </a:p>
           <a:p>
@@ -16143,9 +16179,12 @@
             </a:pPr>
             <a:r>
               <a:rPr lang="en-US" sz="1200" dirty="0">
-                <a:latin typeface="Avenir Next LT Pro" panose="020B0504020202020204" pitchFamily="34" charset="0"/>
-              </a:rPr>
-              <a:t>Approx Project Duration</a:t>
+                <a:highlight>
+                  <a:srgbClr val="52C9BD"/>
+                </a:highlight>
+                <a:latin typeface="Avenir Next LT Pro" panose="020B0504020202020204" pitchFamily="34" charset="0"/>
+              </a:rPr>
+              <a:t>End Date</a:t>
             </a:r>
           </a:p>
           <a:p>
@@ -16154,9 +16193,12 @@
             </a:pPr>
             <a:r>
               <a:rPr lang="en-US" sz="1200" dirty="0">
-                <a:latin typeface="Avenir Next LT Pro" panose="020B0504020202020204" pitchFamily="34" charset="0"/>
-              </a:rPr>
-              <a:t>Project Budget</a:t>
+                <a:highlight>
+                  <a:srgbClr val="52C9BD"/>
+                </a:highlight>
+                <a:latin typeface="Avenir Next LT Pro" panose="020B0504020202020204" pitchFamily="34" charset="0"/>
+              </a:rPr>
+              <a:t>Approx Project Duration</a:t>
             </a:r>
           </a:p>
           <a:p>
@@ -16165,6 +16207,23 @@
             </a:pPr>
             <a:r>
               <a:rPr lang="en-US" sz="1200" dirty="0">
+                <a:highlight>
+                  <a:srgbClr val="52C9BD"/>
+                </a:highlight>
+                <a:latin typeface="Avenir Next LT Pro" panose="020B0504020202020204" pitchFamily="34" charset="0"/>
+              </a:rPr>
+              <a:t>Project Budget</a:t>
+            </a:r>
+          </a:p>
+          <a:p>
+            <a:pPr marL="355600" indent="-355600">
+              <a:buAutoNum type="arabicPeriod"/>
+            </a:pPr>
+            <a:r>
+              <a:rPr lang="en-US" sz="1200" dirty="0">
+                <a:highlight>
+                  <a:srgbClr val="52C9BD"/>
+                </a:highlight>
                 <a:latin typeface="Avenir Next LT Pro" panose="020B0504020202020204" pitchFamily="34" charset="0"/>
               </a:rPr>
               <a:t>Client Members (No. &amp; Icons)</a:t>
@@ -16195,7 +16254,7 @@
         <p:spPr>
           <a:xfrm>
             <a:off x="6726810" y="335299"/>
-            <a:ext cx="5465190" cy="3600986"/>
+            <a:ext cx="5465190" cy="3970318"/>
           </a:xfrm>
           <a:prstGeom prst="rect">
             <a:avLst/>
@@ -16242,6 +16301,9 @@
             <a:r>
               <a:rPr lang="en-US" sz="1200" b="0" i="0" dirty="0">
                 <a:effectLst/>
+                <a:highlight>
+                  <a:srgbClr val="52C9BD"/>
+                </a:highlight>
                 <a:latin typeface="Avenir Next LT Pro" panose="020B0504020202020204" pitchFamily="34" charset="0"/>
               </a:rPr>
               <a:t>List of All the projects</a:t>
@@ -16261,6 +16323,9 @@
             <a:r>
               <a:rPr lang="en-US" sz="1200" b="0" i="0" dirty="0">
                 <a:effectLst/>
+                <a:highlight>
+                  <a:srgbClr val="52C9BD"/>
+                </a:highlight>
                 <a:latin typeface="Avenir Next LT Pro" panose="020B0504020202020204" pitchFamily="34" charset="0"/>
               </a:rPr>
               <a:t>Status : progress Chart </a:t>
@@ -16280,6 +16345,9 @@
             <a:r>
               <a:rPr lang="en-US" sz="1200" b="0" i="0" dirty="0">
                 <a:effectLst/>
+                <a:highlight>
+                  <a:srgbClr val="52C9BD"/>
+                </a:highlight>
                 <a:latin typeface="Avenir Next LT Pro" panose="020B0504020202020204" pitchFamily="34" charset="0"/>
               </a:rPr>
               <a:t>Active Project Dashboard &gt; Project Name, id, owner name, manager name, site Address, mobile number, Start Date, Approx End Date, </a:t>
@@ -16299,6 +16367,9 @@
             <a:r>
               <a:rPr lang="en-US" sz="1200" b="0" i="0" dirty="0">
                 <a:effectLst/>
+                <a:highlight>
+                  <a:srgbClr val="52C9BD"/>
+                </a:highlight>
                 <a:latin typeface="Avenir Next LT Pro" panose="020B0504020202020204" pitchFamily="34" charset="0"/>
               </a:rPr>
               <a:t>Active Project Timeline &gt; blue: Done, green: currently, yellow: next week, red : future</a:t>
@@ -16318,6 +16389,9 @@
             <a:r>
               <a:rPr lang="en-US" sz="1200" b="0" i="0" dirty="0">
                 <a:effectLst/>
+                <a:highlight>
+                  <a:srgbClr val="52C9BD"/>
+                </a:highlight>
                 <a:latin typeface="Avenir Next LT Pro" panose="020B0504020202020204" pitchFamily="34" charset="0"/>
               </a:rPr>
               <a:t>Rias a request, complaint</a:t>
@@ -16337,6 +16411,9 @@
             <a:r>
               <a:rPr lang="en-US" sz="1200" b="0" i="0" dirty="0">
                 <a:effectLst/>
+                <a:highlight>
+                  <a:srgbClr val="52C9BD"/>
+                </a:highlight>
                 <a:latin typeface="Avenir Next LT Pro" panose="020B0504020202020204" pitchFamily="34" charset="0"/>
               </a:rPr>
               <a:t>Calander &gt; Daily Task Breakdown, Meeting Schedule, Activity [payment, raising complaint, request, etc.]</a:t>
@@ -16356,6 +16433,9 @@
             <a:r>
               <a:rPr lang="en-US" sz="1200" b="0" i="0" dirty="0">
                 <a:effectLst/>
+                <a:highlight>
+                  <a:srgbClr val="52C9BD"/>
+                </a:highlight>
                 <a:latin typeface="Avenir Next LT Pro" panose="020B0504020202020204" pitchFamily="34" charset="0"/>
               </a:rPr>
               <a:t>Task breakdown &gt; list Form </a:t>
@@ -16375,6 +16455,9 @@
             <a:r>
               <a:rPr lang="en-US" sz="1200" b="0" i="0" dirty="0">
                 <a:effectLst/>
+                <a:highlight>
+                  <a:srgbClr val="52C9BD"/>
+                </a:highlight>
                 <a:latin typeface="Avenir Next LT Pro" panose="020B0504020202020204" pitchFamily="34" charset="0"/>
               </a:rPr>
               <a:t>Active project documents  &gt; Design Concepts, Mood Boards, contract, etc.</a:t>
@@ -16396,6 +16479,16 @@
                 <a:effectLst/>
                 <a:latin typeface="Avenir Next LT Pro" panose="020B0504020202020204" pitchFamily="34" charset="0"/>
               </a:rPr>
+              <a:t> </a:t>
+            </a:r>
+            <a:r>
+              <a:rPr lang="en-US" sz="1200" b="0" i="0" dirty="0">
+                <a:effectLst/>
+                <a:highlight>
+                  <a:srgbClr val="52C9BD"/>
+                </a:highlight>
+                <a:latin typeface="Avenir Next LT Pro" panose="020B0504020202020204" pitchFamily="34" charset="0"/>
+              </a:rPr>
               <a:t>Team members : Employee Name, Employee ID, </a:t>
             </a:r>
           </a:p>
@@ -16415,6 +16508,16 @@
                 <a:effectLst/>
                 <a:latin typeface="Avenir Next LT Pro" panose="020B0504020202020204" pitchFamily="34" charset="0"/>
               </a:rPr>
+              <a:t> </a:t>
+            </a:r>
+            <a:r>
+              <a:rPr lang="en-US" sz="1200" b="0" i="0" dirty="0">
+                <a:effectLst/>
+                <a:highlight>
+                  <a:srgbClr val="52C9BD"/>
+                </a:highlight>
+                <a:latin typeface="Avenir Next LT Pro" panose="020B0504020202020204" pitchFamily="34" charset="0"/>
+              </a:rPr>
               <a:t>Client &amp; Client Members &gt; Name, mobile, relationship</a:t>
             </a:r>
           </a:p>
@@ -16430,6 +16533,9 @@
             <a:r>
               <a:rPr lang="en-US" sz="1200" dirty="0">
                 <a:effectLst/>
+                <a:highlight>
+                  <a:srgbClr val="52C9BD"/>
+                </a:highlight>
                 <a:latin typeface="Avenir Next LT Pro" panose="020B0504020202020204" pitchFamily="34" charset="0"/>
               </a:rPr>
               <a:t>In-Active Projects</a:t>
@@ -16449,9 +16555,56 @@
             <a:r>
               <a:rPr lang="en-US" sz="1200" b="0" i="0" dirty="0">
                 <a:effectLst/>
-                <a:latin typeface="Avenir Next LT Pro" panose="020B0504020202020204" pitchFamily="34" charset="0"/>
-              </a:rPr>
-              <a:t>Active Project Dashboard &gt; Project Name, Proetid, owner name, manager name, site Address, mobile number, Start Date, Approx End Date, </a:t>
+                <a:highlight>
+                  <a:srgbClr val="52C9BD"/>
+                </a:highlight>
+                <a:latin typeface="Avenir Next LT Pro" panose="020B0504020202020204" pitchFamily="34" charset="0"/>
+              </a:rPr>
+              <a:t>Active Project Dashboard &gt; Project Name, Project id, owner name, manager name, site Address, mobile number, Start Date, Approx End Date, </a:t>
+            </a:r>
+          </a:p>
+          <a:p>
+            <a:pPr rtl="0" fontAlgn="ctr">
+              <a:spcBef>
+                <a:spcPts val="0"/>
+              </a:spcBef>
+              <a:spcAft>
+                <a:spcPts val="0"/>
+              </a:spcAft>
+              <a:buFont typeface="+mj-lt"/>
+              <a:buAutoNum type="arabicPeriod"/>
+            </a:pPr>
+            <a:endParaRPr lang="en-US" sz="1200" dirty="0">
+              <a:latin typeface="Avenir Next LT Pro" panose="020B0504020202020204" pitchFamily="34" charset="0"/>
+            </a:endParaRPr>
+          </a:p>
+          <a:p>
+            <a:pPr rtl="0" fontAlgn="ctr">
+              <a:spcBef>
+                <a:spcPts val="0"/>
+              </a:spcBef>
+              <a:spcAft>
+                <a:spcPts val="0"/>
+              </a:spcAft>
+              <a:buFont typeface="+mj-lt"/>
+              <a:buAutoNum type="arabicPeriod"/>
+            </a:pPr>
+            <a:r>
+              <a:rPr lang="en-US" sz="1200" b="0" i="0" dirty="0">
+                <a:effectLst/>
+                <a:latin typeface="Avenir Next LT Pro" panose="020B0504020202020204" pitchFamily="34" charset="0"/>
+              </a:rPr>
+              <a:t> </a:t>
+            </a:r>
+            <a:r>
+              <a:rPr lang="en-US" sz="1200" b="0" i="0" dirty="0">
+                <a:effectLst/>
+                <a:highlight>
+                  <a:srgbClr val="52C9BD"/>
+                </a:highlight>
+                <a:latin typeface="Avenir Next LT Pro" panose="020B0504020202020204" pitchFamily="34" charset="0"/>
+              </a:rPr>
+              <a:t>Project closure Statement</a:t>
             </a:r>
           </a:p>
           <a:p>
@@ -16470,229 +16623,6 @@
               </a:rPr>
               <a:t> </a:t>
             </a:r>
-          </a:p>
-        </p:txBody>
-      </p:sp>
-      <p:sp>
-        <p:nvSpPr>
-          <p:cNvPr id="5" name="TextBox 4">
-            <a:extLst>
-              <a:ext uri="{FF2B5EF4-FFF2-40B4-BE49-F238E27FC236}">
-                <a16:creationId xmlns:a16="http://schemas.microsoft.com/office/drawing/2014/main" id="{F6F75D17-3373-D549-B060-3053BC1A6116}"/>
-              </a:ext>
-            </a:extLst>
-          </p:cNvPr>
-          <p:cNvSpPr txBox="1"/>
-          <p:nvPr/>
-        </p:nvSpPr>
-        <p:spPr>
-          <a:xfrm>
-            <a:off x="2556298" y="234522"/>
-            <a:ext cx="2252769" cy="3785652"/>
-          </a:xfrm>
-          <a:prstGeom prst="rect">
-            <a:avLst/>
-          </a:prstGeom>
-          <a:noFill/>
-        </p:spPr>
-        <p:txBody>
-          <a:bodyPr wrap="square" rtlCol="0">
-            <a:spAutoFit/>
-          </a:bodyPr>
-          <a:lstStyle/>
-          <a:p>
-            <a:r>
-              <a:rPr lang="en-US" sz="1200" b="1" dirty="0">
-                <a:latin typeface="Avenir Next LT Pro" panose="020B0504020202020204" pitchFamily="34" charset="0"/>
-              </a:rPr>
-              <a:t>Projects Task : </a:t>
-            </a:r>
-          </a:p>
-          <a:p>
-            <a:endParaRPr lang="en-US" sz="1200" dirty="0">
-              <a:latin typeface="Avenir Next LT Pro" panose="020B0504020202020204" pitchFamily="34" charset="0"/>
-            </a:endParaRPr>
-          </a:p>
-          <a:p>
-            <a:r>
-              <a:rPr lang="en-US" sz="1200" dirty="0">
-                <a:latin typeface="Avenir Next LT Pro" panose="020B0504020202020204" pitchFamily="34" charset="0"/>
-              </a:rPr>
-              <a:t>Project Summary :</a:t>
-            </a:r>
-          </a:p>
-          <a:p>
-            <a:pPr marL="355600" indent="-355600">
-              <a:buAutoNum type="arabicPeriod"/>
-            </a:pPr>
-            <a:r>
-              <a:rPr lang="en-US" sz="1200" dirty="0">
-                <a:latin typeface="Avenir Next LT Pro" panose="020B0504020202020204" pitchFamily="34" charset="0"/>
-              </a:rPr>
-              <a:t>Project Name</a:t>
-            </a:r>
-          </a:p>
-          <a:p>
-            <a:pPr marL="355600" indent="-355600">
-              <a:buAutoNum type="arabicPeriod"/>
-            </a:pPr>
-            <a:r>
-              <a:rPr lang="en-US" sz="1200" dirty="0">
-                <a:latin typeface="Avenir Next LT Pro" panose="020B0504020202020204" pitchFamily="34" charset="0"/>
-              </a:rPr>
-              <a:t>Project ID</a:t>
-            </a:r>
-          </a:p>
-          <a:p>
-            <a:pPr marL="355600" indent="-355600">
-              <a:buAutoNum type="arabicPeriod"/>
-            </a:pPr>
-            <a:r>
-              <a:rPr lang="en-US" sz="1200" dirty="0">
-                <a:latin typeface="Avenir Next LT Pro" panose="020B0504020202020204" pitchFamily="34" charset="0"/>
-              </a:rPr>
-              <a:t>Owner Name</a:t>
-            </a:r>
-          </a:p>
-          <a:p>
-            <a:pPr marL="355600" indent="-355600">
-              <a:buAutoNum type="arabicPeriod"/>
-            </a:pPr>
-            <a:r>
-              <a:rPr lang="en-US" sz="1200" dirty="0">
-                <a:latin typeface="Avenir Next LT Pro" panose="020B0504020202020204" pitchFamily="34" charset="0"/>
-              </a:rPr>
-              <a:t>Owner ID</a:t>
-            </a:r>
-          </a:p>
-          <a:p>
-            <a:pPr marL="355600" indent="-355600">
-              <a:buAutoNum type="arabicPeriod"/>
-            </a:pPr>
-            <a:r>
-              <a:rPr lang="en-US" sz="1200" dirty="0">
-                <a:latin typeface="Avenir Next LT Pro" panose="020B0504020202020204" pitchFamily="34" charset="0"/>
-              </a:rPr>
-              <a:t>Company Name</a:t>
-            </a:r>
-          </a:p>
-          <a:p>
-            <a:pPr marL="355600" indent="-355600">
-              <a:buAutoNum type="arabicPeriod"/>
-            </a:pPr>
-            <a:r>
-              <a:rPr lang="en-US" sz="1200" dirty="0">
-                <a:latin typeface="Avenir Next LT Pro" panose="020B0504020202020204" pitchFamily="34" charset="0"/>
-              </a:rPr>
-              <a:t>PM name </a:t>
-            </a:r>
-          </a:p>
-          <a:p>
-            <a:pPr marL="355600" indent="-355600">
-              <a:buAutoNum type="arabicPeriod"/>
-            </a:pPr>
-            <a:r>
-              <a:rPr lang="en-US" sz="1200" dirty="0">
-                <a:latin typeface="Avenir Next LT Pro" panose="020B0504020202020204" pitchFamily="34" charset="0"/>
-              </a:rPr>
-              <a:t>PM ID</a:t>
-            </a:r>
-          </a:p>
-          <a:p>
-            <a:pPr marL="355600" indent="-355600">
-              <a:buAutoNum type="arabicPeriod"/>
-            </a:pPr>
-            <a:r>
-              <a:rPr lang="en-US" sz="1200" dirty="0">
-                <a:latin typeface="Avenir Next LT Pro" panose="020B0504020202020204" pitchFamily="34" charset="0"/>
-              </a:rPr>
-              <a:t>Site Address</a:t>
-            </a:r>
-          </a:p>
-          <a:p>
-            <a:pPr marL="355600" indent="-355600">
-              <a:buAutoNum type="arabicPeriod"/>
-            </a:pPr>
-            <a:r>
-              <a:rPr lang="en-US" sz="1200" dirty="0">
-                <a:latin typeface="Avenir Next LT Pro" panose="020B0504020202020204" pitchFamily="34" charset="0"/>
-              </a:rPr>
-              <a:t>Client Mobile no.</a:t>
-            </a:r>
-          </a:p>
-          <a:p>
-            <a:pPr marL="355600" indent="-355600">
-              <a:buAutoNum type="arabicPeriod"/>
-            </a:pPr>
-            <a:r>
-              <a:rPr lang="en-US" sz="1200" dirty="0">
-                <a:latin typeface="Avenir Next LT Pro" panose="020B0504020202020204" pitchFamily="34" charset="0"/>
-              </a:rPr>
-              <a:t>Client email Address</a:t>
-            </a:r>
-          </a:p>
-          <a:p>
-            <a:pPr marL="355600" indent="-355600">
-              <a:buAutoNum type="arabicPeriod"/>
-            </a:pPr>
-            <a:r>
-              <a:rPr lang="en-US" sz="1200" dirty="0">
-                <a:latin typeface="Avenir Next LT Pro" panose="020B0504020202020204" pitchFamily="34" charset="0"/>
-              </a:rPr>
-              <a:t>Start Date </a:t>
-            </a:r>
-          </a:p>
-          <a:p>
-            <a:pPr marL="355600" indent="-355600">
-              <a:buAutoNum type="arabicPeriod"/>
-            </a:pPr>
-            <a:r>
-              <a:rPr lang="en-US" sz="1200" dirty="0">
-                <a:latin typeface="Avenir Next LT Pro" panose="020B0504020202020204" pitchFamily="34" charset="0"/>
-              </a:rPr>
-              <a:t>End Date</a:t>
-            </a:r>
-          </a:p>
-          <a:p>
-            <a:pPr marL="355600" indent="-355600">
-              <a:buAutoNum type="arabicPeriod"/>
-            </a:pPr>
-            <a:r>
-              <a:rPr lang="en-US" sz="1200" dirty="0">
-                <a:latin typeface="Avenir Next LT Pro" panose="020B0504020202020204" pitchFamily="34" charset="0"/>
-              </a:rPr>
-              <a:t>Approx Project Duration</a:t>
-            </a:r>
-          </a:p>
-          <a:p>
-            <a:pPr marL="355600" indent="-355600">
-              <a:buAutoNum type="arabicPeriod"/>
-            </a:pPr>
-            <a:r>
-              <a:rPr lang="en-US" sz="1200" dirty="0">
-                <a:latin typeface="Avenir Next LT Pro" panose="020B0504020202020204" pitchFamily="34" charset="0"/>
-              </a:rPr>
-              <a:t>Project Budget</a:t>
-            </a:r>
-          </a:p>
-          <a:p>
-            <a:pPr marL="355600" indent="-355600">
-              <a:buAutoNum type="arabicPeriod"/>
-            </a:pPr>
-            <a:r>
-              <a:rPr lang="en-US" sz="1200" dirty="0">
-                <a:latin typeface="Avenir Next LT Pro" panose="020B0504020202020204" pitchFamily="34" charset="0"/>
-              </a:rPr>
-              <a:t>Client Members (No. &amp; Icons)</a:t>
-            </a:r>
-          </a:p>
-          <a:p>
-            <a:pPr marL="355600" indent="-355600">
-              <a:buAutoNum type="arabicPeriod"/>
-            </a:pPr>
-            <a:endParaRPr lang="en-US" sz="1200" dirty="0">
-              <a:latin typeface="Avenir Next LT Pro" panose="020B0504020202020204" pitchFamily="34" charset="0"/>
-            </a:endParaRPr>
           </a:p>
         </p:txBody>
       </p:sp>
@@ -38963,6 +38893,15 @@
 </file>
 
 <file path=customXml/item2.xml><?xml version="1.0" encoding="utf-8"?>
+<?mso-contentType ?>
+<FormTemplates xmlns="http://schemas.microsoft.com/sharepoint/v3/contenttype/forms">
+  <Display>DocumentLibraryForm</Display>
+  <Edit>DocumentLibraryForm</Edit>
+  <New>DocumentLibraryForm</New>
+</FormTemplates>
+</file>
+
+<file path=customXml/item3.xml><?xml version="1.0" encoding="utf-8"?>
 <ct:contentTypeSchema xmlns:ct="http://schemas.microsoft.com/office/2006/metadata/contentType" xmlns:ma="http://schemas.microsoft.com/office/2006/metadata/properties/metaAttributes" ct:_="" ma:_="" ma:contentTypeName="Document" ma:contentTypeID="0x010100A855378936633F46935DE081F3F0A723" ma:contentTypeVersion="12" ma:contentTypeDescription="Create a new document." ma:contentTypeScope="" ma:versionID="10a0d8289734871bdd31b634d2187904">
   <xsd:schema xmlns:xsd="http://www.w3.org/2001/XMLSchema" xmlns:xs="http://www.w3.org/2001/XMLSchema" xmlns:p="http://schemas.microsoft.com/office/2006/metadata/properties" xmlns:ns3="0e1bb11d-1fe8-4e80-a80d-c671e8cd2a50" targetNamespace="http://schemas.microsoft.com/office/2006/metadata/properties" ma:root="true" ma:fieldsID="fada68416409396adbe095b60f726b03" ns3:_="">
     <xsd:import namespace="0e1bb11d-1fe8-4e80-a80d-c671e8cd2a50"/>
@@ -39158,15 +39097,6 @@
 </ct:contentTypeSchema>
 </file>
 
-<file path=customXml/item3.xml><?xml version="1.0" encoding="utf-8"?>
-<?mso-contentType ?>
-<FormTemplates xmlns="http://schemas.microsoft.com/sharepoint/v3/contenttype/forms">
-  <Display>DocumentLibraryForm</Display>
-  <Edit>DocumentLibraryForm</Edit>
-  <New>DocumentLibraryForm</New>
-</FormTemplates>
-</file>
-
 <file path=customXml/itemProps1.xml><?xml version="1.0" encoding="utf-8"?>
 <ds:datastoreItem xmlns:ds="http://schemas.openxmlformats.org/officeDocument/2006/customXml" ds:itemID="{EAC5C5E7-64B2-47F3-84A2-5A4A99E0956D}">
   <ds:schemaRefs>
@@ -39184,6 +39114,14 @@
 </file>
 
 <file path=customXml/itemProps2.xml><?xml version="1.0" encoding="utf-8"?>
+<ds:datastoreItem xmlns:ds="http://schemas.openxmlformats.org/officeDocument/2006/customXml" ds:itemID="{D9A29AA5-5937-490C-A495-D5C320512737}">
+  <ds:schemaRefs>
+    <ds:schemaRef ds:uri="http://schemas.microsoft.com/sharepoint/v3/contenttype/forms"/>
+  </ds:schemaRefs>
+</ds:datastoreItem>
+</file>
+
+<file path=customXml/itemProps3.xml><?xml version="1.0" encoding="utf-8"?>
 <ds:datastoreItem xmlns:ds="http://schemas.openxmlformats.org/officeDocument/2006/customXml" ds:itemID="{E7349E7B-C510-4DD9-BDAE-73ED149E9B49}">
   <ds:schemaRefs>
     <ds:schemaRef ds:uri="http://schemas.microsoft.com/office/2006/metadata/contentType"/>
@@ -39199,12 +39137,4 @@
     <ds:schemaRef ds:uri="http://schemas.microsoft.com/internal/obd"/>
   </ds:schemaRefs>
 </ds:datastoreItem>
-</file>
-
-<file path=customXml/itemProps3.xml><?xml version="1.0" encoding="utf-8"?>
-<ds:datastoreItem xmlns:ds="http://schemas.openxmlformats.org/officeDocument/2006/customXml" ds:itemID="{D9A29AA5-5937-490C-A495-D5C320512737}">
-  <ds:schemaRefs>
-    <ds:schemaRef ds:uri="http://schemas.microsoft.com/sharepoint/v3/contenttype/forms"/>
-  </ds:schemaRefs>
-</ds:datastoreItem>
 </file>